--- a/Presentation.pptx
+++ b/Presentation.pptx
@@ -9,15 +9,6 @@
     <p:sldId id="257" r:id="rId8"/>
     <p:sldId id="258" r:id="rId9"/>
     <p:sldId id="259" r:id="rId10"/>
-    <p:sldId id="260" r:id="rId11"/>
-    <p:sldId id="261" r:id="rId12"/>
-    <p:sldId id="262" r:id="rId13"/>
-    <p:sldId id="263" r:id="rId14"/>
-    <p:sldId id="264" r:id="rId15"/>
-    <p:sldId id="265" r:id="rId16"/>
-    <p:sldId id="266" r:id="rId17"/>
-    <p:sldId id="267" r:id="rId18"/>
-    <p:sldId id="268" r:id="rId19"/>
   </p:sldIdLst>
   <p:sldSz cx="9144000" cy="6858000" type="screen4x3"/>
   <p:notesSz cx="6858000" cy="9144000"/>
@@ -3116,7 +3107,12 @@
           <a:lstStyle/>
           <a:p>
             <a:r>
-              <a:t>Engineering of a Skyscraper</a:t>
+              <a:rPr sz="3200" b="1">
+                <a:solidFill>
+                  <a:srgbClr val="0071C5"/>
+                </a:solidFill>
+              </a:rPr>
+              <a:t>Sterilization of Liposuction Accessories</a:t>
             </a:r>
           </a:p>
         </p:txBody>
@@ -3135,295 +3131,7 @@
         <p:txBody>
           <a:bodyPr/>
           <a:lstStyle/>
-          <a:p>
-            <a:r>
-              <a:t>An Overview of Design, Construction, and Innovation</a:t>
-            </a:r>
-          </a:p>
-        </p:txBody>
-      </p:sp>
-    </p:spTree>
-  </p:cSld>
-  <p:clrMapOvr>
-    <a:masterClrMapping/>
-  </p:clrMapOvr>
-</p:sld>
-</file>
-
-<file path=ppt/slides/slide10.xml><?xml version="1.0" encoding="utf-8"?>
-<p:sld xmlns:a="http://schemas.openxmlformats.org/drawingml/2006/main" xmlns:p="http://schemas.openxmlformats.org/presentationml/2006/main" xmlns:r="http://schemas.openxmlformats.org/officeDocument/2006/relationships">
-  <p:cSld>
-    <p:spTree>
-      <p:nvGrpSpPr>
-        <p:cNvPr id="1" name=""/>
-        <p:cNvGrpSpPr/>
-        <p:nvPr/>
-      </p:nvGrpSpPr>
-      <p:grpSpPr/>
-      <p:sp>
-        <p:nvSpPr>
-          <p:cNvPr id="2" name="Title 1"/>
-          <p:cNvSpPr>
-            <a:spLocks noGrp="1"/>
-          </p:cNvSpPr>
-          <p:nvPr>
-            <p:ph type="title"/>
-          </p:nvPr>
-        </p:nvSpPr>
-        <p:spPr/>
-        <p:txBody>
-          <a:bodyPr/>
-          <a:lstStyle/>
-          <a:p>
-            <a:r>
-              <a:t>Building Systems (MEP)</a:t>
-            </a:r>
-          </a:p>
-        </p:txBody>
-      </p:sp>
-      <p:sp>
-        <p:nvSpPr>
-          <p:cNvPr id="3" name="Content Placeholder 2"/>
-          <p:cNvSpPr>
-            <a:spLocks noGrp="1"/>
-          </p:cNvSpPr>
-          <p:nvPr>
-            <p:ph idx="1"/>
-          </p:nvPr>
-        </p:nvSpPr>
-        <p:spPr/>
-        <p:txBody>
-          <a:bodyPr/>
-          <a:lstStyle/>
           <a:p/>
-          <a:p>
-            <a:pPr/>
-            <a:r>
-              <a:t>Integration of Mechanical, Electrical, and Plumbing systems</a:t>
-            </a:r>
-          </a:p>
-          <a:p>
-            <a:pPr/>
-            <a:r>
-              <a:t>Importance of HVAC systems for tall buildings</a:t>
-            </a:r>
-          </a:p>
-          <a:p>
-            <a:pPr/>
-            <a:r>
-              <a:t>Smart systems and building automation</a:t>
-            </a:r>
-          </a:p>
-        </p:txBody>
-      </p:sp>
-    </p:spTree>
-  </p:cSld>
-  <p:clrMapOvr>
-    <a:masterClrMapping/>
-  </p:clrMapOvr>
-</p:sld>
-</file>
-
-<file path=ppt/slides/slide11.xml><?xml version="1.0" encoding="utf-8"?>
-<p:sld xmlns:a="http://schemas.openxmlformats.org/drawingml/2006/main" xmlns:p="http://schemas.openxmlformats.org/presentationml/2006/main" xmlns:r="http://schemas.openxmlformats.org/officeDocument/2006/relationships">
-  <p:cSld>
-    <p:spTree>
-      <p:nvGrpSpPr>
-        <p:cNvPr id="1" name=""/>
-        <p:cNvGrpSpPr/>
-        <p:nvPr/>
-      </p:nvGrpSpPr>
-      <p:grpSpPr/>
-      <p:sp>
-        <p:nvSpPr>
-          <p:cNvPr id="2" name="Title 1"/>
-          <p:cNvSpPr>
-            <a:spLocks noGrp="1"/>
-          </p:cNvSpPr>
-          <p:nvPr>
-            <p:ph type="title"/>
-          </p:nvPr>
-        </p:nvSpPr>
-        <p:spPr/>
-        <p:txBody>
-          <a:bodyPr/>
-          <a:lstStyle/>
-          <a:p>
-            <a:r>
-              <a:t>Innovations in Skyscraper Engineering</a:t>
-            </a:r>
-          </a:p>
-        </p:txBody>
-      </p:sp>
-      <p:sp>
-        <p:nvSpPr>
-          <p:cNvPr id="3" name="Content Placeholder 2"/>
-          <p:cNvSpPr>
-            <a:spLocks noGrp="1"/>
-          </p:cNvSpPr>
-          <p:nvPr>
-            <p:ph idx="1"/>
-          </p:nvPr>
-        </p:nvSpPr>
-        <p:spPr/>
-        <p:txBody>
-          <a:bodyPr/>
-          <a:lstStyle/>
-          <a:p/>
-          <a:p>
-            <a:pPr/>
-            <a:r>
-              <a:t>Cutting-edge design methodologies</a:t>
-            </a:r>
-          </a:p>
-          <a:p>
-            <a:pPr/>
-            <a:r>
-              <a:t>Usage of AI and machine learning in design optimization</a:t>
-            </a:r>
-          </a:p>
-          <a:p>
-            <a:pPr/>
-            <a:r>
-              <a:t>Future trends in vertical urbanism</a:t>
-            </a:r>
-          </a:p>
-        </p:txBody>
-      </p:sp>
-    </p:spTree>
-  </p:cSld>
-  <p:clrMapOvr>
-    <a:masterClrMapping/>
-  </p:clrMapOvr>
-</p:sld>
-</file>
-
-<file path=ppt/slides/slide12.xml><?xml version="1.0" encoding="utf-8"?>
-<p:sld xmlns:a="http://schemas.openxmlformats.org/drawingml/2006/main" xmlns:p="http://schemas.openxmlformats.org/presentationml/2006/main" xmlns:r="http://schemas.openxmlformats.org/officeDocument/2006/relationships">
-  <p:cSld>
-    <p:spTree>
-      <p:nvGrpSpPr>
-        <p:cNvPr id="1" name=""/>
-        <p:cNvGrpSpPr/>
-        <p:nvPr/>
-      </p:nvGrpSpPr>
-      <p:grpSpPr/>
-      <p:sp>
-        <p:nvSpPr>
-          <p:cNvPr id="2" name="Title 1"/>
-          <p:cNvSpPr>
-            <a:spLocks noGrp="1"/>
-          </p:cNvSpPr>
-          <p:nvPr>
-            <p:ph type="title"/>
-          </p:nvPr>
-        </p:nvSpPr>
-        <p:spPr/>
-        <p:txBody>
-          <a:bodyPr/>
-          <a:lstStyle/>
-          <a:p>
-            <a:r>
-              <a:t>Case Study: An Example Skyscraper</a:t>
-            </a:r>
-          </a:p>
-        </p:txBody>
-      </p:sp>
-      <p:sp>
-        <p:nvSpPr>
-          <p:cNvPr id="3" name="Content Placeholder 2"/>
-          <p:cNvSpPr>
-            <a:spLocks noGrp="1"/>
-          </p:cNvSpPr>
-          <p:nvPr>
-            <p:ph idx="1"/>
-          </p:nvPr>
-        </p:nvSpPr>
-        <p:spPr/>
-        <p:txBody>
-          <a:bodyPr/>
-          <a:lstStyle/>
-          <a:p/>
-          <a:p>
-            <a:pPr/>
-            <a:r>
-              <a:t>Study of a renowned skyscraper (e.g., Burj Khalifa, Shanghai Tower)</a:t>
-            </a:r>
-          </a:p>
-          <a:p>
-            <a:pPr/>
-            <a:r>
-              <a:t>Unique features and engineering solutions</a:t>
-            </a:r>
-          </a:p>
-        </p:txBody>
-      </p:sp>
-    </p:spTree>
-  </p:cSld>
-  <p:clrMapOvr>
-    <a:masterClrMapping/>
-  </p:clrMapOvr>
-</p:sld>
-</file>
-
-<file path=ppt/slides/slide13.xml><?xml version="1.0" encoding="utf-8"?>
-<p:sld xmlns:a="http://schemas.openxmlformats.org/drawingml/2006/main" xmlns:p="http://schemas.openxmlformats.org/presentationml/2006/main" xmlns:r="http://schemas.openxmlformats.org/officeDocument/2006/relationships">
-  <p:cSld>
-    <p:spTree>
-      <p:nvGrpSpPr>
-        <p:cNvPr id="1" name=""/>
-        <p:cNvGrpSpPr/>
-        <p:nvPr/>
-      </p:nvGrpSpPr>
-      <p:grpSpPr/>
-      <p:sp>
-        <p:nvSpPr>
-          <p:cNvPr id="2" name="Title 1"/>
-          <p:cNvSpPr>
-            <a:spLocks noGrp="1"/>
-          </p:cNvSpPr>
-          <p:nvPr>
-            <p:ph type="title"/>
-          </p:nvPr>
-        </p:nvSpPr>
-        <p:spPr/>
-        <p:txBody>
-          <a:bodyPr/>
-          <a:lstStyle/>
-          <a:p>
-            <a:r>
-              <a:t>Conclusion and Future Directions</a:t>
-            </a:r>
-          </a:p>
-        </p:txBody>
-      </p:sp>
-      <p:sp>
-        <p:nvSpPr>
-          <p:cNvPr id="3" name="Content Placeholder 2"/>
-          <p:cNvSpPr>
-            <a:spLocks noGrp="1"/>
-          </p:cNvSpPr>
-          <p:nvPr>
-            <p:ph idx="1"/>
-          </p:nvPr>
-        </p:nvSpPr>
-        <p:spPr/>
-        <p:txBody>
-          <a:bodyPr/>
-          <a:lstStyle/>
-          <a:p/>
-          <a:p>
-            <a:pPr/>
-            <a:r>
-              <a:t>Summary of key takeaways</a:t>
-            </a:r>
-          </a:p>
-          <a:p>
-            <a:pPr/>
-            <a:r>
-              <a:t>The future of skyscraper development and their role in urban living</a:t>
-            </a:r>
-          </a:p>
         </p:txBody>
       </p:sp>
     </p:spTree>
@@ -3460,7 +3168,12 @@
           <a:lstStyle/>
           <a:p>
             <a:r>
-              <a:t>Introduction to Skyscraper Engineering</a:t>
+              <a:rPr sz="3200" b="1">
+                <a:solidFill>
+                  <a:srgbClr val="0071C5"/>
+                </a:solidFill>
+              </a:rPr>
+              <a:t>Introduction to Liposuction Accessories</a:t>
             </a:r>
           </a:p>
         </p:txBody>
@@ -3479,17 +3192,15 @@
         <p:txBody>
           <a:bodyPr/>
           <a:lstStyle/>
-          <a:p/>
-          <a:p>
-            <a:pPr/>
-            <a:r>
-              <a:t>Definition and importance of skyscraper engineering</a:t>
-            </a:r>
-          </a:p>
-          <a:p>
-            <a:pPr/>
-            <a:r>
-              <a:t>Multidisciplinary collaboration</a:t>
+          <a:p>
+            <a:pPr algn="l"/>
+            <a:r>
+              <a:rPr sz="1800">
+                <a:solidFill>
+                  <a:srgbClr val="000000"/>
+                </a:solidFill>
+              </a:rPr>
+              <a:t>Liposuction is a popular cosmetic procedure that involves the removal of fat from various parts of the body. Proper sterilization of liposuction accessories is crucial to prevent infection and ensure patient safety.</a:t>
             </a:r>
           </a:p>
         </p:txBody>
@@ -3528,7 +3239,12 @@
           <a:lstStyle/>
           <a:p>
             <a:r>
-              <a:t>Site Selection and Planning</a:t>
+              <a:rPr sz="3200" b="1">
+                <a:solidFill>
+                  <a:srgbClr val="0071C5"/>
+                </a:solidFill>
+              </a:rPr>
+              <a:t>Importance of Sterilization</a:t>
             </a:r>
           </a:p>
         </p:txBody>
@@ -3547,23 +3263,15 @@
         <p:txBody>
           <a:bodyPr/>
           <a:lstStyle/>
-          <a:p/>
-          <a:p>
-            <a:pPr/>
-            <a:r>
-              <a:t>Assessment of location</a:t>
-            </a:r>
-          </a:p>
-          <a:p>
-            <a:pPr/>
-            <a:r>
-              <a:t>Soil investigations and geotechnical reports</a:t>
-            </a:r>
-          </a:p>
-          <a:p>
-            <a:pPr/>
-            <a:r>
-              <a:t>Integrating with urban infrastructure</a:t>
+          <a:p>
+            <a:pPr algn="l"/>
+            <a:r>
+              <a:rPr sz="1800">
+                <a:solidFill>
+                  <a:srgbClr val="000000"/>
+                </a:solidFill>
+              </a:rPr>
+              <a:t>Sterilization destroys all microbial life, preventing infection and complications. It's essential for the safety and success of liposuction procedures.</a:t>
             </a:r>
           </a:p>
         </p:txBody>
@@ -3602,7 +3310,12 @@
           <a:lstStyle/>
           <a:p>
             <a:r>
-              <a:t>Design Considerations</a:t>
+              <a:rPr sz="3200" b="1">
+                <a:solidFill>
+                  <a:srgbClr val="0071C5"/>
+                </a:solidFill>
+              </a:rPr>
+              <a:t>Pre-Sterilization Cleaning Procedures</a:t>
             </a:r>
           </a:p>
         </p:txBody>
@@ -3621,393 +3334,15 @@
         <p:txBody>
           <a:bodyPr/>
           <a:lstStyle/>
-          <a:p/>
-          <a:p>
-            <a:pPr/>
-            <a:r>
-              <a:t>Architectural aesthetics and functionality</a:t>
-            </a:r>
-          </a:p>
-          <a:p>
-            <a:pPr/>
-            <a:r>
-              <a:t>Wind and seismic considerations</a:t>
-            </a:r>
-          </a:p>
-          <a:p>
-            <a:pPr/>
-            <a:r>
-              <a:t>Energy efficiency and occupant comfort</a:t>
-            </a:r>
-          </a:p>
-        </p:txBody>
-      </p:sp>
-    </p:spTree>
-  </p:cSld>
-  <p:clrMapOvr>
-    <a:masterClrMapping/>
-  </p:clrMapOvr>
-</p:sld>
-</file>
-
-<file path=ppt/slides/slide5.xml><?xml version="1.0" encoding="utf-8"?>
-<p:sld xmlns:a="http://schemas.openxmlformats.org/drawingml/2006/main" xmlns:p="http://schemas.openxmlformats.org/presentationml/2006/main" xmlns:r="http://schemas.openxmlformats.org/officeDocument/2006/relationships">
-  <p:cSld>
-    <p:spTree>
-      <p:nvGrpSpPr>
-        <p:cNvPr id="1" name=""/>
-        <p:cNvGrpSpPr/>
-        <p:nvPr/>
-      </p:nvGrpSpPr>
-      <p:grpSpPr/>
-      <p:sp>
-        <p:nvSpPr>
-          <p:cNvPr id="2" name="Title 1"/>
-          <p:cNvSpPr>
-            <a:spLocks noGrp="1"/>
-          </p:cNvSpPr>
-          <p:nvPr>
-            <p:ph type="title"/>
-          </p:nvPr>
-        </p:nvSpPr>
-        <p:spPr/>
-        <p:txBody>
-          <a:bodyPr/>
-          <a:lstStyle/>
-          <a:p>
-            <a:r>
-              <a:t>Structural Engineering</a:t>
-            </a:r>
-          </a:p>
-        </p:txBody>
-      </p:sp>
-      <p:sp>
-        <p:nvSpPr>
-          <p:cNvPr id="3" name="Content Placeholder 2"/>
-          <p:cNvSpPr>
-            <a:spLocks noGrp="1"/>
-          </p:cNvSpPr>
-          <p:nvPr>
-            <p:ph idx="1"/>
-          </p:nvPr>
-        </p:nvSpPr>
-        <p:spPr/>
-        <p:txBody>
-          <a:bodyPr/>
-          <a:lstStyle/>
-          <a:p/>
-          <a:p>
-            <a:pPr/>
-            <a:r>
-              <a:t>Load-bearing considerations: gravity and lateral loads</a:t>
-            </a:r>
-          </a:p>
-          <a:p>
-            <a:pPr/>
-            <a:r>
-              <a:t>Selection of structural systems</a:t>
-            </a:r>
-          </a:p>
-          <a:p>
-            <a:pPr/>
-            <a:r>
-              <a:t>Materials: steel, reinforced concrete, composite structures</a:t>
-            </a:r>
-          </a:p>
-        </p:txBody>
-      </p:sp>
-    </p:spTree>
-  </p:cSld>
-  <p:clrMapOvr>
-    <a:masterClrMapping/>
-  </p:clrMapOvr>
-</p:sld>
-</file>
-
-<file path=ppt/slides/slide6.xml><?xml version="1.0" encoding="utf-8"?>
-<p:sld xmlns:a="http://schemas.openxmlformats.org/drawingml/2006/main" xmlns:p="http://schemas.openxmlformats.org/presentationml/2006/main" xmlns:r="http://schemas.openxmlformats.org/officeDocument/2006/relationships">
-  <p:cSld>
-    <p:spTree>
-      <p:nvGrpSpPr>
-        <p:cNvPr id="1" name=""/>
-        <p:cNvGrpSpPr/>
-        <p:nvPr/>
-      </p:nvGrpSpPr>
-      <p:grpSpPr/>
-      <p:sp>
-        <p:nvSpPr>
-          <p:cNvPr id="2" name="Title 1"/>
-          <p:cNvSpPr>
-            <a:spLocks noGrp="1"/>
-          </p:cNvSpPr>
-          <p:nvPr>
-            <p:ph type="title"/>
-          </p:nvPr>
-        </p:nvSpPr>
-        <p:spPr/>
-        <p:txBody>
-          <a:bodyPr/>
-          <a:lstStyle/>
-          <a:p>
-            <a:r>
-              <a:t>Foundation Engineering</a:t>
-            </a:r>
-          </a:p>
-        </p:txBody>
-      </p:sp>
-      <p:sp>
-        <p:nvSpPr>
-          <p:cNvPr id="3" name="Content Placeholder 2"/>
-          <p:cNvSpPr>
-            <a:spLocks noGrp="1"/>
-          </p:cNvSpPr>
-          <p:nvPr>
-            <p:ph idx="1"/>
-          </p:nvPr>
-        </p:nvSpPr>
-        <p:spPr/>
-        <p:txBody>
-          <a:bodyPr/>
-          <a:lstStyle/>
-          <a:p/>
-          <a:p>
-            <a:pPr/>
-            <a:r>
-              <a:t>Types of foundations used in skyscrapers</a:t>
-            </a:r>
-          </a:p>
-          <a:p>
-            <a:pPr/>
-            <a:r>
-              <a:t>Technical challenges and solutions</a:t>
-            </a:r>
-          </a:p>
-          <a:p>
-            <a:pPr/>
-            <a:r>
-              <a:t>Deep foundations and piling methods</a:t>
-            </a:r>
-          </a:p>
-        </p:txBody>
-      </p:sp>
-    </p:spTree>
-  </p:cSld>
-  <p:clrMapOvr>
-    <a:masterClrMapping/>
-  </p:clrMapOvr>
-</p:sld>
-</file>
-
-<file path=ppt/slides/slide7.xml><?xml version="1.0" encoding="utf-8"?>
-<p:sld xmlns:a="http://schemas.openxmlformats.org/drawingml/2006/main" xmlns:p="http://schemas.openxmlformats.org/presentationml/2006/main" xmlns:r="http://schemas.openxmlformats.org/officeDocument/2006/relationships">
-  <p:cSld>
-    <p:spTree>
-      <p:nvGrpSpPr>
-        <p:cNvPr id="1" name=""/>
-        <p:cNvGrpSpPr/>
-        <p:nvPr/>
-      </p:nvGrpSpPr>
-      <p:grpSpPr/>
-      <p:sp>
-        <p:nvSpPr>
-          <p:cNvPr id="2" name="Title 1"/>
-          <p:cNvSpPr>
-            <a:spLocks noGrp="1"/>
-          </p:cNvSpPr>
-          <p:nvPr>
-            <p:ph type="title"/>
-          </p:nvPr>
-        </p:nvSpPr>
-        <p:spPr/>
-        <p:txBody>
-          <a:bodyPr/>
-          <a:lstStyle/>
-          <a:p>
-            <a:r>
-              <a:t>Construction Materials and Techniques</a:t>
-            </a:r>
-          </a:p>
-        </p:txBody>
-      </p:sp>
-      <p:sp>
-        <p:nvSpPr>
-          <p:cNvPr id="3" name="Content Placeholder 2"/>
-          <p:cNvSpPr>
-            <a:spLocks noGrp="1"/>
-          </p:cNvSpPr>
-          <p:nvPr>
-            <p:ph idx="1"/>
-          </p:nvPr>
-        </p:nvSpPr>
-        <p:spPr/>
-        <p:txBody>
-          <a:bodyPr/>
-          <a:lstStyle/>
-          <a:p/>
-          <a:p>
-            <a:pPr/>
-            <a:r>
-              <a:t>Advancements in material technology</a:t>
-            </a:r>
-          </a:p>
-          <a:p>
-            <a:pPr/>
-            <a:r>
-              <a:t>Innovative construction methods</a:t>
-            </a:r>
-          </a:p>
-          <a:p>
-            <a:pPr/>
-            <a:r>
-              <a:t>Prefab and modular construction</a:t>
-            </a:r>
-          </a:p>
-        </p:txBody>
-      </p:sp>
-    </p:spTree>
-  </p:cSld>
-  <p:clrMapOvr>
-    <a:masterClrMapping/>
-  </p:clrMapOvr>
-</p:sld>
-</file>
-
-<file path=ppt/slides/slide8.xml><?xml version="1.0" encoding="utf-8"?>
-<p:sld xmlns:a="http://schemas.openxmlformats.org/drawingml/2006/main" xmlns:p="http://schemas.openxmlformats.org/presentationml/2006/main" xmlns:r="http://schemas.openxmlformats.org/officeDocument/2006/relationships">
-  <p:cSld>
-    <p:spTree>
-      <p:nvGrpSpPr>
-        <p:cNvPr id="1" name=""/>
-        <p:cNvGrpSpPr/>
-        <p:nvPr/>
-      </p:nvGrpSpPr>
-      <p:grpSpPr/>
-      <p:sp>
-        <p:nvSpPr>
-          <p:cNvPr id="2" name="Title 1"/>
-          <p:cNvSpPr>
-            <a:spLocks noGrp="1"/>
-          </p:cNvSpPr>
-          <p:nvPr>
-            <p:ph type="title"/>
-          </p:nvPr>
-        </p:nvSpPr>
-        <p:spPr/>
-        <p:txBody>
-          <a:bodyPr/>
-          <a:lstStyle/>
-          <a:p>
-            <a:r>
-              <a:t>Safety and Risk Management</a:t>
-            </a:r>
-          </a:p>
-        </p:txBody>
-      </p:sp>
-      <p:sp>
-        <p:nvSpPr>
-          <p:cNvPr id="3" name="Content Placeholder 2"/>
-          <p:cNvSpPr>
-            <a:spLocks noGrp="1"/>
-          </p:cNvSpPr>
-          <p:nvPr>
-            <p:ph idx="1"/>
-          </p:nvPr>
-        </p:nvSpPr>
-        <p:spPr/>
-        <p:txBody>
-          <a:bodyPr/>
-          <a:lstStyle/>
-          <a:p/>
-          <a:p>
-            <a:pPr/>
-            <a:r>
-              <a:t>Fire safety and evacuation strategies</a:t>
-            </a:r>
-          </a:p>
-          <a:p>
-            <a:pPr/>
-            <a:r>
-              <a:t>Construction safety regulations</a:t>
-            </a:r>
-          </a:p>
-          <a:p>
-            <a:pPr/>
-            <a:r>
-              <a:t>Risk assessment and mitigation</a:t>
-            </a:r>
-          </a:p>
-        </p:txBody>
-      </p:sp>
-    </p:spTree>
-  </p:cSld>
-  <p:clrMapOvr>
-    <a:masterClrMapping/>
-  </p:clrMapOvr>
-</p:sld>
-</file>
-
-<file path=ppt/slides/slide9.xml><?xml version="1.0" encoding="utf-8"?>
-<p:sld xmlns:a="http://schemas.openxmlformats.org/drawingml/2006/main" xmlns:p="http://schemas.openxmlformats.org/presentationml/2006/main" xmlns:r="http://schemas.openxmlformats.org/officeDocument/2006/relationships">
-  <p:cSld>
-    <p:spTree>
-      <p:nvGrpSpPr>
-        <p:cNvPr id="1" name=""/>
-        <p:cNvGrpSpPr/>
-        <p:nvPr/>
-      </p:nvGrpSpPr>
-      <p:grpSpPr/>
-      <p:sp>
-        <p:nvSpPr>
-          <p:cNvPr id="2" name="Title 1"/>
-          <p:cNvSpPr>
-            <a:spLocks noGrp="1"/>
-          </p:cNvSpPr>
-          <p:nvPr>
-            <p:ph type="title"/>
-          </p:nvPr>
-        </p:nvSpPr>
-        <p:spPr/>
-        <p:txBody>
-          <a:bodyPr/>
-          <a:lstStyle/>
-          <a:p>
-            <a:r>
-              <a:t>Sustainability and Environmental Impact</a:t>
-            </a:r>
-          </a:p>
-        </p:txBody>
-      </p:sp>
-      <p:sp>
-        <p:nvSpPr>
-          <p:cNvPr id="3" name="Content Placeholder 2"/>
-          <p:cNvSpPr>
-            <a:spLocks noGrp="1"/>
-          </p:cNvSpPr>
-          <p:nvPr>
-            <p:ph idx="1"/>
-          </p:nvPr>
-        </p:nvSpPr>
-        <p:spPr/>
-        <p:txBody>
-          <a:bodyPr/>
-          <a:lstStyle/>
-          <a:p/>
-          <a:p>
-            <a:pPr/>
-            <a:r>
-              <a:t>Green building certifications</a:t>
-            </a:r>
-          </a:p>
-          <a:p>
-            <a:pPr/>
-            <a:r>
-              <a:t>Eco-friendly materials and waste reduction</a:t>
-            </a:r>
-          </a:p>
-          <a:p>
-            <a:pPr/>
-            <a:r>
-              <a:t>Climate resilience of skyscrapers</a:t>
+          <a:p>
+            <a:pPr algn="l"/>
+            <a:r>
+              <a:rPr sz="1800">
+                <a:solidFill>
+                  <a:srgbClr val="000000"/>
+                </a:solidFill>
+              </a:rPr>
+              <a:t>Prior to sterilization, liposuction accessories must be thoroughly cleaned to remove biological matter and debris. This process often involves manual cleaning, ultrasonic cleaners, and enzymatic detergents.</a:t>
             </a:r>
           </a:p>
         </p:txBody>
